--- a/Master/FYP-I/FYP-I PPT.pptx
+++ b/Master/FYP-I/FYP-I PPT.pptx
@@ -114,6 +114,11 @@
       </a:defRPr>
     </a:lvl9pPr>
   </p:defaultTextStyle>
+  <p:extLst>
+    <p:ext uri="{EFAFB233-063F-42B5-8137-9DF3F51BA10A}">
+      <p15:sldGuideLst xmlns:p15="http://schemas.microsoft.com/office/powerpoint/2012/main"/>
+    </p:ext>
+  </p:extLst>
 </p:presentation>
 </file>
 
@@ -10280,7 +10285,7 @@
           <a:p>
             <a:fld id="{8C3B665C-9DB2-41B1-A81F-B46835AE6F05}" type="datetimeFigureOut">
               <a:rPr lang="en-PK" smtClean="0"/>
-              <a:t>11/01/2022</a:t>
+              <a:t>12/01/2022</a:t>
             </a:fld>
             <a:endParaRPr lang="en-PK"/>
           </a:p>
@@ -10555,7 +10560,7 @@
           <a:p>
             <a:fld id="{8C3B665C-9DB2-41B1-A81F-B46835AE6F05}" type="datetimeFigureOut">
               <a:rPr lang="en-PK" smtClean="0"/>
-              <a:t>11/01/2022</a:t>
+              <a:t>12/01/2022</a:t>
             </a:fld>
             <a:endParaRPr lang="en-PK"/>
           </a:p>
@@ -10749,7 +10754,7 @@
           <a:p>
             <a:fld id="{8C3B665C-9DB2-41B1-A81F-B46835AE6F05}" type="datetimeFigureOut">
               <a:rPr lang="en-PK" smtClean="0"/>
-              <a:t>11/01/2022</a:t>
+              <a:t>12/01/2022</a:t>
             </a:fld>
             <a:endParaRPr lang="en-PK"/>
           </a:p>
@@ -11022,7 +11027,7 @@
           <a:p>
             <a:fld id="{8C3B665C-9DB2-41B1-A81F-B46835AE6F05}" type="datetimeFigureOut">
               <a:rPr lang="en-PK" smtClean="0"/>
-              <a:t>11/01/2022</a:t>
+              <a:t>12/01/2022</a:t>
             </a:fld>
             <a:endParaRPr lang="en-PK"/>
           </a:p>
@@ -11363,7 +11368,7 @@
           <a:p>
             <a:fld id="{8C3B665C-9DB2-41B1-A81F-B46835AE6F05}" type="datetimeFigureOut">
               <a:rPr lang="en-PK" smtClean="0"/>
-              <a:t>11/01/2022</a:t>
+              <a:t>12/01/2022</a:t>
             </a:fld>
             <a:endParaRPr lang="en-PK"/>
           </a:p>
@@ -11986,7 +11991,7 @@
           <a:p>
             <a:fld id="{8C3B665C-9DB2-41B1-A81F-B46835AE6F05}" type="datetimeFigureOut">
               <a:rPr lang="en-PK" smtClean="0"/>
-              <a:t>11/01/2022</a:t>
+              <a:t>12/01/2022</a:t>
             </a:fld>
             <a:endParaRPr lang="en-PK"/>
           </a:p>
@@ -12846,7 +12851,7 @@
           <a:p>
             <a:fld id="{8C3B665C-9DB2-41B1-A81F-B46835AE6F05}" type="datetimeFigureOut">
               <a:rPr lang="en-PK" smtClean="0"/>
-              <a:t>11/01/2022</a:t>
+              <a:t>12/01/2022</a:t>
             </a:fld>
             <a:endParaRPr lang="en-PK"/>
           </a:p>
@@ -13016,7 +13021,7 @@
           <a:p>
             <a:fld id="{8C3B665C-9DB2-41B1-A81F-B46835AE6F05}" type="datetimeFigureOut">
               <a:rPr lang="en-PK" smtClean="0"/>
-              <a:t>11/01/2022</a:t>
+              <a:t>12/01/2022</a:t>
             </a:fld>
             <a:endParaRPr lang="en-PK"/>
           </a:p>
@@ -13196,7 +13201,7 @@
           <a:p>
             <a:fld id="{8C3B665C-9DB2-41B1-A81F-B46835AE6F05}" type="datetimeFigureOut">
               <a:rPr lang="en-PK" smtClean="0"/>
-              <a:t>11/01/2022</a:t>
+              <a:t>12/01/2022</a:t>
             </a:fld>
             <a:endParaRPr lang="en-PK"/>
           </a:p>
@@ -13366,7 +13371,7 @@
           <a:p>
             <a:fld id="{8C3B665C-9DB2-41B1-A81F-B46835AE6F05}" type="datetimeFigureOut">
               <a:rPr lang="en-PK" smtClean="0"/>
-              <a:t>11/01/2022</a:t>
+              <a:t>12/01/2022</a:t>
             </a:fld>
             <a:endParaRPr lang="en-PK"/>
           </a:p>
@@ -13613,7 +13618,7 @@
           <a:p>
             <a:fld id="{8C3B665C-9DB2-41B1-A81F-B46835AE6F05}" type="datetimeFigureOut">
               <a:rPr lang="en-PK" smtClean="0"/>
-              <a:t>11/01/2022</a:t>
+              <a:t>12/01/2022</a:t>
             </a:fld>
             <a:endParaRPr lang="en-PK"/>
           </a:p>
@@ -13905,7 +13910,7 @@
           <a:p>
             <a:fld id="{8C3B665C-9DB2-41B1-A81F-B46835AE6F05}" type="datetimeFigureOut">
               <a:rPr lang="en-PK" smtClean="0"/>
-              <a:t>11/01/2022</a:t>
+              <a:t>12/01/2022</a:t>
             </a:fld>
             <a:endParaRPr lang="en-PK"/>
           </a:p>
@@ -14349,7 +14354,7 @@
           <a:p>
             <a:fld id="{8C3B665C-9DB2-41B1-A81F-B46835AE6F05}" type="datetimeFigureOut">
               <a:rPr lang="en-PK" smtClean="0"/>
-              <a:t>11/01/2022</a:t>
+              <a:t>12/01/2022</a:t>
             </a:fld>
             <a:endParaRPr lang="en-PK"/>
           </a:p>
@@ -14467,7 +14472,7 @@
           <a:p>
             <a:fld id="{8C3B665C-9DB2-41B1-A81F-B46835AE6F05}" type="datetimeFigureOut">
               <a:rPr lang="en-PK" smtClean="0"/>
-              <a:t>11/01/2022</a:t>
+              <a:t>12/01/2022</a:t>
             </a:fld>
             <a:endParaRPr lang="en-PK"/>
           </a:p>
@@ -14562,7 +14567,7 @@
           <a:p>
             <a:fld id="{8C3B665C-9DB2-41B1-A81F-B46835AE6F05}" type="datetimeFigureOut">
               <a:rPr lang="en-PK" smtClean="0"/>
-              <a:t>11/01/2022</a:t>
+              <a:t>12/01/2022</a:t>
             </a:fld>
             <a:endParaRPr lang="en-PK"/>
           </a:p>
@@ -14841,7 +14846,7 @@
           <a:p>
             <a:fld id="{8C3B665C-9DB2-41B1-A81F-B46835AE6F05}" type="datetimeFigureOut">
               <a:rPr lang="en-PK" smtClean="0"/>
-              <a:t>11/01/2022</a:t>
+              <a:t>12/01/2022</a:t>
             </a:fld>
             <a:endParaRPr lang="en-PK"/>
           </a:p>
@@ -15116,7 +15121,7 @@
           <a:p>
             <a:fld id="{8C3B665C-9DB2-41B1-A81F-B46835AE6F05}" type="datetimeFigureOut">
               <a:rPr lang="en-PK" smtClean="0"/>
-              <a:t>11/01/2022</a:t>
+              <a:t>12/01/2022</a:t>
             </a:fld>
             <a:endParaRPr lang="en-PK"/>
           </a:p>
@@ -15545,7 +15550,7 @@
           <a:p>
             <a:fld id="{8C3B665C-9DB2-41B1-A81F-B46835AE6F05}" type="datetimeFigureOut">
               <a:rPr lang="en-PK" smtClean="0"/>
-              <a:t>11/01/2022</a:t>
+              <a:t>12/01/2022</a:t>
             </a:fld>
             <a:endParaRPr lang="en-PK"/>
           </a:p>
@@ -17132,7 +17137,11 @@
             </a:r>
             <a:r>
               <a:rPr lang="en-US" dirty="0"/>
-              <a:t> Collection</a:t>
+              <a:t> Collection </a:t>
+            </a:r>
+            <a:r>
+              <a:rPr lang="en-US" sz="2400" dirty="0"/>
+              <a:t>[03/10/2020 to 10/18/2021]</a:t>
             </a:r>
             <a:endParaRPr lang="en-PK" dirty="0"/>
           </a:p>
@@ -17619,7 +17628,7 @@
         </p:nvSpPr>
         <p:spPr>
           <a:xfrm>
-            <a:off x="646111" y="452718"/>
+            <a:off x="1217577" y="2728735"/>
             <a:ext cx="9756846" cy="1400530"/>
           </a:xfrm>
         </p:spPr>
@@ -17714,7 +17723,7 @@
         </p:nvSpPr>
         <p:spPr>
           <a:xfrm>
-            <a:off x="487085" y="452718"/>
+            <a:off x="1134268" y="2728735"/>
             <a:ext cx="9923464" cy="1400530"/>
           </a:xfrm>
         </p:spPr>
